--- a/CHALLENGE-1 (1).pptx
+++ b/CHALLENGE-1 (1).pptx
@@ -10,6 +10,7 @@
     <p:sldId id="258" r:id="rId4"/>
     <p:sldId id="259" r:id="rId5"/>
     <p:sldId id="260" r:id="rId6"/>
+    <p:sldId id="261" r:id="rId7"/>
   </p:sldIdLst>
   <p:sldSz cx="9144000" cy="6858000" type="screen4x3"/>
   <p:notesSz cx="6858000" cy="9144000"/>
@@ -5753,6 +5754,38 @@
           <a:bodyPr/>
           <a:lstStyle/>
           <a:p>
+            <a:r>
+              <a:rPr lang="en-US" dirty="0" smtClean="0"/>
+              <a:t>Time, because one of the proposals is to reduce time in all of the paperwork, and transition between departments.</a:t>
+            </a:r>
+          </a:p>
+          <a:p>
+            <a:r>
+              <a:rPr lang="en-US" dirty="0" smtClean="0"/>
+              <a:t>Money, it could be expensive at the beginning because of  the initial investment, but reducing errors the savings will payoff.</a:t>
+            </a:r>
+          </a:p>
+          <a:p>
+            <a:r>
+              <a:rPr lang="en-US" dirty="0" smtClean="0"/>
+              <a:t>Communication between all of the departments will ensure a quick and updated information that will remove information bias.</a:t>
+            </a:r>
+          </a:p>
+          <a:p>
+            <a:r>
+              <a:rPr lang="en-US" dirty="0" smtClean="0"/>
+              <a:t>Reduction of reworks.</a:t>
+            </a:r>
+          </a:p>
+          <a:p>
+            <a:r>
+              <a:rPr lang="en-US" dirty="0" smtClean="0"/>
+              <a:t>Talent will be easier </a:t>
+            </a:r>
+            <a:r>
+              <a:rPr lang="en-US" smtClean="0"/>
+              <a:t>to emerge.</a:t>
+            </a:r>
             <a:endParaRPr lang="es-MX" dirty="0"/>
           </a:p>
         </p:txBody>
@@ -5822,71 +5855,94 @@
         </p:nvSpPr>
         <p:spPr/>
         <p:txBody>
-          <a:bodyPr/>
+          <a:bodyPr>
+            <a:normAutofit fontScale="92500" lnSpcReduction="20000"/>
+          </a:bodyPr>
           <a:lstStyle/>
           <a:p>
             <a:r>
-              <a:rPr lang="en-US" dirty="0" smtClean="0"/>
+              <a:rPr lang="en-US" sz="3200" dirty="0" smtClean="0"/>
               <a:t>Classify correctly every part in its own place, </a:t>
             </a:r>
             <a:r>
-              <a:rPr lang="en-US" dirty="0"/>
+              <a:rPr lang="en-US" sz="3200" dirty="0"/>
               <a:t>so </a:t>
             </a:r>
             <a:r>
-              <a:rPr lang="en-US" dirty="0" smtClean="0"/>
+              <a:rPr lang="en-US" sz="3200" dirty="0" smtClean="0"/>
               <a:t>it corresponds </a:t>
             </a:r>
             <a:r>
-              <a:rPr lang="en-US" dirty="0"/>
+              <a:rPr lang="en-US" sz="3200" dirty="0"/>
               <a:t>with the information </a:t>
             </a:r>
             <a:r>
-              <a:rPr lang="en-US" dirty="0" smtClean="0"/>
+              <a:rPr lang="en-US" sz="3200" dirty="0" smtClean="0"/>
               <a:t>captured in </a:t>
             </a:r>
             <a:r>
-              <a:rPr lang="en-US" dirty="0"/>
+              <a:rPr lang="en-US" sz="3200" dirty="0"/>
               <a:t>the </a:t>
             </a:r>
             <a:r>
-              <a:rPr lang="en-US" dirty="0" smtClean="0"/>
-              <a:t>database</a:t>
-            </a:r>
-          </a:p>
-          <a:p>
-            <a:r>
-              <a:rPr lang="en-US" dirty="0" smtClean="0"/>
-              <a:t>Redesign </a:t>
-            </a:r>
-            <a:r>
-              <a:rPr lang="en-US" i="1" dirty="0" smtClean="0"/>
-              <a:t>Kanban</a:t>
-            </a:r>
-            <a:r>
-              <a:rPr lang="en-US" dirty="0" smtClean="0"/>
-              <a:t> cards, </a:t>
-            </a:r>
-            <a:r>
-              <a:rPr lang="en-US" dirty="0"/>
-              <a:t>it could be read by </a:t>
-            </a:r>
-            <a:r>
-              <a:rPr lang="en-US" dirty="0" smtClean="0"/>
-              <a:t>barcode.</a:t>
-            </a:r>
-          </a:p>
-          <a:p>
-            <a:r>
-              <a:rPr lang="en-US" dirty="0" smtClean="0"/>
-              <a:t>Standardize </a:t>
-            </a:r>
-          </a:p>
-          <a:p>
-            <a:r>
-              <a:rPr lang="en-US" dirty="0" smtClean="0"/>
-              <a:t>Automate orders, when  </a:t>
-            </a:r>
+              <a:rPr lang="en-US" sz="3200" dirty="0" smtClean="0"/>
+              <a:t>database.</a:t>
+            </a:r>
+          </a:p>
+          <a:p>
+            <a:endParaRPr lang="en-US" sz="3200" dirty="0" smtClean="0"/>
+          </a:p>
+          <a:p>
+            <a:r>
+              <a:rPr lang="en-US" sz="3200" dirty="0" smtClean="0"/>
+              <a:t>Select the best suppliers for every part.</a:t>
+            </a:r>
+          </a:p>
+          <a:p>
+            <a:endParaRPr lang="en-US" sz="3200" dirty="0" smtClean="0"/>
+          </a:p>
+          <a:p>
+            <a:r>
+              <a:rPr lang="en-US" sz="3200" dirty="0" smtClean="0"/>
+              <a:t>Reduce the use of </a:t>
+            </a:r>
+            <a:r>
+              <a:rPr lang="en-US" sz="3200" dirty="0"/>
+              <a:t>paper for </a:t>
+            </a:r>
+            <a:r>
+              <a:rPr lang="en-US" sz="3200" dirty="0" smtClean="0"/>
+              <a:t>paperwork.</a:t>
+            </a:r>
+          </a:p>
+          <a:p>
+            <a:endParaRPr lang="en-US" sz="3200" dirty="0"/>
+          </a:p>
+          <a:p>
+            <a:r>
+              <a:rPr lang="en-US" sz="3200" dirty="0" smtClean="0"/>
+              <a:t>Using a system. Bring </a:t>
+            </a:r>
+            <a:r>
+              <a:rPr lang="en-US" sz="3200" dirty="0"/>
+              <a:t>just the needed </a:t>
+            </a:r>
+            <a:r>
+              <a:rPr lang="en-US" sz="3200" dirty="0" smtClean="0"/>
+              <a:t>information, about each part, for every department</a:t>
+            </a:r>
+            <a:endParaRPr lang="en-US" dirty="0" smtClean="0"/>
+          </a:p>
+          <a:p>
+            <a:endParaRPr lang="en-US" dirty="0" smtClean="0"/>
+          </a:p>
+          <a:p>
+            <a:endParaRPr lang="en-US" dirty="0" smtClean="0"/>
+          </a:p>
+          <a:p>
+            <a:endParaRPr lang="en-US" dirty="0" smtClean="0"/>
+          </a:p>
+          <a:p>
             <a:endParaRPr lang="en-US" dirty="0"/>
           </a:p>
         </p:txBody>
@@ -5895,6 +5951,129 @@
     <p:extLst>
       <p:ext uri="{BB962C8B-B14F-4D97-AF65-F5344CB8AC3E}">
         <p14:creationId xmlns:p14="http://schemas.microsoft.com/office/powerpoint/2010/main" val="3047339893"/>
+      </p:ext>
+    </p:extLst>
+  </p:cSld>
+  <p:clrMapOvr>
+    <a:masterClrMapping/>
+  </p:clrMapOvr>
+</p:sld>
+</file>
+
+<file path=ppt/slides/slide6.xml><?xml version="1.0" encoding="utf-8"?>
+<p:sld xmlns:a="http://schemas.openxmlformats.org/drawingml/2006/main" xmlns:r="http://schemas.openxmlformats.org/officeDocument/2006/relationships" xmlns:p="http://schemas.openxmlformats.org/presentationml/2006/main">
+  <p:cSld>
+    <p:spTree>
+      <p:nvGrpSpPr>
+        <p:cNvPr id="1" name=""/>
+        <p:cNvGrpSpPr/>
+        <p:nvPr/>
+      </p:nvGrpSpPr>
+      <p:grpSpPr>
+        <a:xfrm>
+          <a:off x="0" y="0"/>
+          <a:ext cx="0" cy="0"/>
+          <a:chOff x="0" y="0"/>
+          <a:chExt cx="0" cy="0"/>
+        </a:xfrm>
+      </p:grpSpPr>
+      <p:sp>
+        <p:nvSpPr>
+          <p:cNvPr id="2" name="Título 1"/>
+          <p:cNvSpPr>
+            <a:spLocks noGrp="1"/>
+          </p:cNvSpPr>
+          <p:nvPr>
+            <p:ph type="title"/>
+          </p:nvPr>
+        </p:nvSpPr>
+        <p:spPr/>
+        <p:txBody>
+          <a:bodyPr/>
+          <a:lstStyle/>
+          <a:p>
+            <a:endParaRPr lang="es-MX"/>
+          </a:p>
+        </p:txBody>
+      </p:sp>
+      <p:sp>
+        <p:nvSpPr>
+          <p:cNvPr id="3" name="Marcador de contenido 2"/>
+          <p:cNvSpPr>
+            <a:spLocks noGrp="1"/>
+          </p:cNvSpPr>
+          <p:nvPr>
+            <p:ph idx="1"/>
+          </p:nvPr>
+        </p:nvSpPr>
+        <p:spPr/>
+        <p:txBody>
+          <a:bodyPr>
+            <a:normAutofit/>
+          </a:bodyPr>
+          <a:lstStyle/>
+          <a:p>
+            <a:r>
+              <a:rPr lang="en-US" sz="2800" dirty="0"/>
+              <a:t>Redesign </a:t>
+            </a:r>
+            <a:r>
+              <a:rPr lang="en-US" sz="2800" i="1" dirty="0"/>
+              <a:t>Kanban</a:t>
+            </a:r>
+            <a:r>
+              <a:rPr lang="en-US" sz="2800" dirty="0"/>
+              <a:t> cards, it could be read by barcode</a:t>
+            </a:r>
+            <a:r>
+              <a:rPr lang="en-US" sz="2800" dirty="0" smtClean="0"/>
+              <a:t>.</a:t>
+            </a:r>
+          </a:p>
+          <a:p>
+            <a:endParaRPr lang="en-US" sz="2800" dirty="0"/>
+          </a:p>
+          <a:p>
+            <a:r>
+              <a:rPr lang="en-US" sz="2800" dirty="0"/>
+              <a:t>Standardize the amount of parts used in every process, so the transition could be easier and faster using the Kanban cards</a:t>
+            </a:r>
+            <a:r>
+              <a:rPr lang="en-US" sz="2800" dirty="0" smtClean="0"/>
+              <a:t>.</a:t>
+            </a:r>
+          </a:p>
+          <a:p>
+            <a:endParaRPr lang="en-US" sz="2800" dirty="0"/>
+          </a:p>
+          <a:p>
+            <a:r>
+              <a:rPr lang="en-US" sz="2800" dirty="0"/>
+              <a:t>Automate orders, using the reorder point</a:t>
+            </a:r>
+            <a:r>
+              <a:rPr lang="en-US" sz="2800" dirty="0" smtClean="0"/>
+              <a:t>.</a:t>
+            </a:r>
+          </a:p>
+          <a:p>
+            <a:endParaRPr lang="en-US" sz="2800" dirty="0"/>
+          </a:p>
+          <a:p>
+            <a:r>
+              <a:rPr lang="en-US" sz="2800" dirty="0"/>
+              <a:t>Consider subassemblies as part of the data base. </a:t>
+            </a:r>
+          </a:p>
+          <a:p>
+            <a:endParaRPr lang="es-MX" sz="2800" dirty="0"/>
+          </a:p>
+        </p:txBody>
+      </p:sp>
+    </p:spTree>
+    <p:extLst>
+      <p:ext uri="{BB962C8B-B14F-4D97-AF65-F5344CB8AC3E}">
+        <p14:creationId xmlns:p14="http://schemas.microsoft.com/office/powerpoint/2010/main" val="1155476426"/>
       </p:ext>
     </p:extLst>
   </p:cSld>
